--- a/short/intro-notebooks/slides.pptx
+++ b/short/intro-notebooks/slides.pptx
@@ -235,7 +235,7 @@
           </a:lstStyle>
           <a:p>
             <a:fld id="{9FDE8860-D534-461C-B7C4-4306F9DFD5E9}" type="datetimeFigureOut">
-              <a:t>2/8/22</a:t>
+              <a:t>2/15/22</a:t>
             </a:fld>
             <a:endParaRPr/>
           </a:p>
@@ -1166,7 +1166,12 @@
             <p:ph type="sldImg"/>
           </p:nvPr>
         </p:nvSpPr>
-        <p:spPr/>
+        <p:spPr>
+          <a:xfrm>
+            <a:off x="685800" y="1143000"/>
+            <a:ext cx="5486400" cy="3086100"/>
+          </a:xfrm>
+        </p:spPr>
       </p:sp>
       <p:sp>
         <p:nvSpPr>
@@ -3446,7 +3451,7 @@
           <a:p>
             <a:fld id="{7211D513-83ED-4716-AA4D-71939D7B9A54}" type="datetimeFigureOut">
               <a:rPr lang="en-US" smtClean="0"/>
-              <a:t>2/8/22</a:t>
+              <a:t>2/15/22</a:t>
             </a:fld>
             <a:endParaRPr lang="en-US"/>
           </a:p>
@@ -3609,7 +3614,7 @@
           <a:p>
             <a:fld id="{987EB9C6-7C3A-44D8-9CE3-7511BE0E2A72}" type="datetimeFigureOut">
               <a:rPr lang="en-US" smtClean="0"/>
-              <a:t>2/8/22</a:t>
+              <a:t>2/15/22</a:t>
             </a:fld>
             <a:endParaRPr lang="en-US"/>
           </a:p>
@@ -4325,7 +4330,7 @@
         <p:fade/>
       </p:transition>
     </mc:Choice>
-    <mc:Fallback xmlns:p159="http://schemas.microsoft.com/office/powerpoint/2015/09/main" xmlns:p15="http://schemas.microsoft.com/office/powerpoint/2012/main" xmlns:a14="http://schemas.microsoft.com/office/drawing/2010/main" xmlns:wp="http://schemas.openxmlformats.org/drawingml/2006/wordprocessingDrawing" xmlns:w="http://schemas.openxmlformats.org/wordprocessingml/2006/main" xmlns:m="http://schemas.openxmlformats.org/officeDocument/2006/math" xmlns="">
+    <mc:Fallback xmlns="" xmlns:m="http://schemas.openxmlformats.org/officeDocument/2006/math" xmlns:w="http://schemas.openxmlformats.org/wordprocessingml/2006/main" xmlns:wp="http://schemas.openxmlformats.org/drawingml/2006/wordprocessingDrawing" xmlns:a14="http://schemas.microsoft.com/office/drawing/2010/main" xmlns:p15="http://schemas.microsoft.com/office/powerpoint/2012/main" xmlns:p159="http://schemas.microsoft.com/office/powerpoint/2015/09/main">
       <p:transition spd="med">
         <p:fade/>
       </p:transition>
@@ -4567,7 +4572,7 @@
         <p:fade/>
       </p:transition>
     </mc:Choice>
-    <mc:Fallback xmlns:p159="http://schemas.microsoft.com/office/powerpoint/2015/09/main" xmlns:p15="http://schemas.microsoft.com/office/powerpoint/2012/main" xmlns:a14="http://schemas.microsoft.com/office/drawing/2010/main" xmlns:wp="http://schemas.openxmlformats.org/drawingml/2006/wordprocessingDrawing" xmlns:w="http://schemas.openxmlformats.org/wordprocessingml/2006/main" xmlns:m="http://schemas.openxmlformats.org/officeDocument/2006/math" xmlns="">
+    <mc:Fallback xmlns="" xmlns:m="http://schemas.openxmlformats.org/officeDocument/2006/math" xmlns:w="http://schemas.openxmlformats.org/wordprocessingml/2006/main" xmlns:wp="http://schemas.openxmlformats.org/drawingml/2006/wordprocessingDrawing" xmlns:a14="http://schemas.microsoft.com/office/drawing/2010/main" xmlns:p15="http://schemas.microsoft.com/office/powerpoint/2012/main" xmlns:p159="http://schemas.microsoft.com/office/powerpoint/2015/09/main">
       <p:transition spd="med">
         <p:fade/>
       </p:transition>
@@ -6503,7 +6508,7 @@
           <a:p>
             <a:fld id="{C0F9D533-2517-489B-B1D5-DB708A2001C6}" type="datetimeFigureOut">
               <a:rPr lang="en-US" smtClean="0"/>
-              <a:t>2/8/22</a:t>
+              <a:t>2/15/22</a:t>
             </a:fld>
             <a:endParaRPr lang="en-US"/>
           </a:p>
@@ -9585,7 +9590,7 @@
         <p:fade/>
       </p:transition>
     </mc:Choice>
-    <mc:Fallback xmlns:p159="http://schemas.microsoft.com/office/powerpoint/2015/09/main" xmlns:p15="http://schemas.microsoft.com/office/powerpoint/2012/main" xmlns:a14="http://schemas.microsoft.com/office/drawing/2010/main" xmlns:wp="http://schemas.openxmlformats.org/drawingml/2006/wordprocessingDrawing" xmlns:w="http://schemas.openxmlformats.org/wordprocessingml/2006/main" xmlns:m="http://schemas.openxmlformats.org/officeDocument/2006/math" xmlns="">
+    <mc:Fallback xmlns="" xmlns:m="http://schemas.openxmlformats.org/officeDocument/2006/math" xmlns:w="http://schemas.openxmlformats.org/wordprocessingml/2006/main" xmlns:wp="http://schemas.openxmlformats.org/drawingml/2006/wordprocessingDrawing" xmlns:a14="http://schemas.microsoft.com/office/drawing/2010/main" xmlns:p15="http://schemas.microsoft.com/office/powerpoint/2012/main" xmlns:p159="http://schemas.microsoft.com/office/powerpoint/2015/09/main">
       <p:transition spd="med">
         <p:fade/>
       </p:transition>
@@ -13608,7 +13613,7 @@
         <p:fade/>
       </p:transition>
     </mc:Choice>
-    <mc:Fallback xmlns:p159="http://schemas.microsoft.com/office/powerpoint/2015/09/main" xmlns:p15="http://schemas.microsoft.com/office/powerpoint/2012/main" xmlns:a14="http://schemas.microsoft.com/office/drawing/2010/main" xmlns:wp="http://schemas.openxmlformats.org/drawingml/2006/wordprocessingDrawing" xmlns:w="http://schemas.openxmlformats.org/wordprocessingml/2006/main" xmlns:m="http://schemas.openxmlformats.org/officeDocument/2006/math" xmlns="">
+    <mc:Fallback xmlns="" xmlns:m="http://schemas.openxmlformats.org/officeDocument/2006/math" xmlns:w="http://schemas.openxmlformats.org/wordprocessingml/2006/main" xmlns:wp="http://schemas.openxmlformats.org/drawingml/2006/wordprocessingDrawing" xmlns:a14="http://schemas.microsoft.com/office/drawing/2010/main" xmlns:p15="http://schemas.microsoft.com/office/powerpoint/2012/main" xmlns:p159="http://schemas.microsoft.com/office/powerpoint/2015/09/main">
       <p:transition spd="med">
         <p:fade/>
       </p:transition>
@@ -16446,7 +16451,7 @@
         <p:fade/>
       </p:transition>
     </mc:Choice>
-    <mc:Fallback xmlns:p159="http://schemas.microsoft.com/office/powerpoint/2015/09/main" xmlns:p15="http://schemas.microsoft.com/office/powerpoint/2012/main" xmlns:a14="http://schemas.microsoft.com/office/drawing/2010/main" xmlns:wp="http://schemas.openxmlformats.org/drawingml/2006/wordprocessingDrawing" xmlns:w="http://schemas.openxmlformats.org/wordprocessingml/2006/main" xmlns:m="http://schemas.openxmlformats.org/officeDocument/2006/math" xmlns="">
+    <mc:Fallback xmlns="" xmlns:m="http://schemas.openxmlformats.org/officeDocument/2006/math" xmlns:w="http://schemas.openxmlformats.org/wordprocessingml/2006/main" xmlns:wp="http://schemas.openxmlformats.org/drawingml/2006/wordprocessingDrawing" xmlns:a14="http://schemas.microsoft.com/office/drawing/2010/main" xmlns:p15="http://schemas.microsoft.com/office/powerpoint/2012/main" xmlns:p159="http://schemas.microsoft.com/office/powerpoint/2015/09/main">
       <p:transition spd="med">
         <p:fade/>
       </p:transition>
@@ -16637,7 +16642,7 @@
         <p:fade/>
       </p:transition>
     </mc:Choice>
-    <mc:Fallback xmlns:p159="http://schemas.microsoft.com/office/powerpoint/2015/09/main" xmlns:p15="http://schemas.microsoft.com/office/powerpoint/2012/main" xmlns:a14="http://schemas.microsoft.com/office/drawing/2010/main" xmlns:wp="http://schemas.openxmlformats.org/drawingml/2006/wordprocessingDrawing" xmlns:w="http://schemas.openxmlformats.org/wordprocessingml/2006/main" xmlns:m="http://schemas.openxmlformats.org/officeDocument/2006/math" xmlns="">
+    <mc:Fallback xmlns="" xmlns:m="http://schemas.openxmlformats.org/officeDocument/2006/math" xmlns:w="http://schemas.openxmlformats.org/wordprocessingml/2006/main" xmlns:wp="http://schemas.openxmlformats.org/drawingml/2006/wordprocessingDrawing" xmlns:a14="http://schemas.microsoft.com/office/drawing/2010/main" xmlns:p15="http://schemas.microsoft.com/office/powerpoint/2012/main" xmlns:p159="http://schemas.microsoft.com/office/powerpoint/2015/09/main">
       <p:transition spd="med">
         <p:fade/>
       </p:transition>
@@ -16752,7 +16757,7 @@
         <p:fade/>
       </p:transition>
     </mc:Choice>
-    <mc:Fallback xmlns:p159="http://schemas.microsoft.com/office/powerpoint/2015/09/main" xmlns:p15="http://schemas.microsoft.com/office/powerpoint/2012/main" xmlns:a14="http://schemas.microsoft.com/office/drawing/2010/main" xmlns:wp="http://schemas.openxmlformats.org/drawingml/2006/wordprocessingDrawing" xmlns:w="http://schemas.openxmlformats.org/wordprocessingml/2006/main" xmlns:m="http://schemas.openxmlformats.org/officeDocument/2006/math" xmlns="">
+    <mc:Fallback xmlns="" xmlns:m="http://schemas.openxmlformats.org/officeDocument/2006/math" xmlns:w="http://schemas.openxmlformats.org/wordprocessingml/2006/main" xmlns:wp="http://schemas.openxmlformats.org/drawingml/2006/wordprocessingDrawing" xmlns:a14="http://schemas.microsoft.com/office/drawing/2010/main" xmlns:p15="http://schemas.microsoft.com/office/powerpoint/2012/main" xmlns:p159="http://schemas.microsoft.com/office/powerpoint/2015/09/main">
       <p:transition spd="med">
         <p:fade/>
       </p:transition>
@@ -18397,7 +18402,7 @@
         <p:fade/>
       </p:transition>
     </mc:Choice>
-    <mc:Fallback xmlns:p159="http://schemas.microsoft.com/office/powerpoint/2015/09/main" xmlns:p15="http://schemas.microsoft.com/office/powerpoint/2012/main" xmlns:a14="http://schemas.microsoft.com/office/drawing/2010/main" xmlns:wp="http://schemas.openxmlformats.org/drawingml/2006/wordprocessingDrawing" xmlns:w="http://schemas.openxmlformats.org/wordprocessingml/2006/main" xmlns:m="http://schemas.openxmlformats.org/officeDocument/2006/math" xmlns="">
+    <mc:Fallback xmlns="" xmlns:m="http://schemas.openxmlformats.org/officeDocument/2006/math" xmlns:w="http://schemas.openxmlformats.org/wordprocessingml/2006/main" xmlns:wp="http://schemas.openxmlformats.org/drawingml/2006/wordprocessingDrawing" xmlns:a14="http://schemas.microsoft.com/office/drawing/2010/main" xmlns:p15="http://schemas.microsoft.com/office/powerpoint/2012/main" xmlns:p159="http://schemas.microsoft.com/office/powerpoint/2015/09/main">
       <p:transition spd="med">
         <p:fade/>
       </p:transition>
@@ -18615,7 +18620,7 @@
         <p:fade/>
       </p:transition>
     </mc:Choice>
-    <mc:Fallback xmlns:p159="http://schemas.microsoft.com/office/powerpoint/2015/09/main" xmlns:p15="http://schemas.microsoft.com/office/powerpoint/2012/main" xmlns:a14="http://schemas.microsoft.com/office/drawing/2010/main" xmlns:wp="http://schemas.openxmlformats.org/drawingml/2006/wordprocessingDrawing" xmlns:w="http://schemas.openxmlformats.org/wordprocessingml/2006/main" xmlns:m="http://schemas.openxmlformats.org/officeDocument/2006/math" xmlns="">
+    <mc:Fallback xmlns="" xmlns:m="http://schemas.openxmlformats.org/officeDocument/2006/math" xmlns:w="http://schemas.openxmlformats.org/wordprocessingml/2006/main" xmlns:wp="http://schemas.openxmlformats.org/drawingml/2006/wordprocessingDrawing" xmlns:a14="http://schemas.microsoft.com/office/drawing/2010/main" xmlns:p15="http://schemas.microsoft.com/office/powerpoint/2012/main" xmlns:p159="http://schemas.microsoft.com/office/powerpoint/2015/09/main">
       <p:transition spd="med">
         <p:fade/>
       </p:transition>
@@ -19446,7 +19451,7 @@
           <a:p>
             <a:fld id="{53FD0D02-1E0D-44DD-86B7-4E9E5F396778}" type="datetimeFigureOut">
               <a:rPr lang="en-US" smtClean="0"/>
-              <a:t>2/8/22</a:t>
+              <a:t>2/15/22</a:t>
             </a:fld>
             <a:endParaRPr lang="en-US"/>
           </a:p>
@@ -22699,7 +22704,7 @@
           <a:p>
             <a:fld id="{83CD4ABB-20EE-458E-8BF1-94BCB512BB0B}" type="datetimeFigureOut">
               <a:rPr lang="en-US" smtClean="0"/>
-              <a:t>2/8/22</a:t>
+              <a:t>2/15/22</a:t>
             </a:fld>
             <a:endParaRPr lang="en-US"/>
           </a:p>
@@ -25305,7 +25310,7 @@
           <a:p>
             <a:fld id="{4F27B81F-A9BD-4D65-9920-542F1E367CD9}" type="datetimeFigureOut">
               <a:rPr lang="en-US" smtClean="0"/>
-              <a:t>2/8/22</a:t>
+              <a:t>2/15/22</a:t>
             </a:fld>
             <a:endParaRPr lang="en-US"/>
           </a:p>
@@ -29895,7 +29900,7 @@
           <a:p>
             <a:fld id="{92DEE33A-FC6D-4F30-9E86-5167E5634110}" type="datetimeFigureOut">
               <a:rPr lang="en-US" smtClean="0"/>
-              <a:t>2/8/22</a:t>
+              <a:t>2/15/22</a:t>
             </a:fld>
             <a:endParaRPr lang="en-US"/>
           </a:p>
@@ -31502,7 +31507,7 @@
         <p:fade/>
       </p:transition>
     </mc:Choice>
-    <mc:Fallback xmlns:p159="http://schemas.microsoft.com/office/powerpoint/2015/09/main" xmlns:p15="http://schemas.microsoft.com/office/powerpoint/2012/main" xmlns:a14="http://schemas.microsoft.com/office/drawing/2010/main" xmlns:wp="http://schemas.openxmlformats.org/drawingml/2006/wordprocessingDrawing" xmlns:w="http://schemas.openxmlformats.org/wordprocessingml/2006/main" xmlns:m="http://schemas.openxmlformats.org/officeDocument/2006/math" xmlns="">
+    <mc:Fallback xmlns="" xmlns:m="http://schemas.openxmlformats.org/officeDocument/2006/math" xmlns:w="http://schemas.openxmlformats.org/wordprocessingml/2006/main" xmlns:wp="http://schemas.openxmlformats.org/drawingml/2006/wordprocessingDrawing" xmlns:a14="http://schemas.microsoft.com/office/drawing/2010/main" xmlns:p15="http://schemas.microsoft.com/office/powerpoint/2012/main" xmlns:p159="http://schemas.microsoft.com/office/powerpoint/2015/09/main">
       <p:transition spd="med">
         <p:fade/>
       </p:transition>
@@ -31696,7 +31701,7 @@
         <p:fade/>
       </p:transition>
     </mc:Choice>
-    <mc:Fallback xmlns:p159="http://schemas.microsoft.com/office/powerpoint/2015/09/main" xmlns:p15="http://schemas.microsoft.com/office/powerpoint/2012/main" xmlns:a14="http://schemas.microsoft.com/office/drawing/2010/main" xmlns:wp="http://schemas.openxmlformats.org/drawingml/2006/wordprocessingDrawing" xmlns:w="http://schemas.openxmlformats.org/wordprocessingml/2006/main" xmlns:m="http://schemas.openxmlformats.org/officeDocument/2006/math" xmlns="">
+    <mc:Fallback xmlns="" xmlns:m="http://schemas.openxmlformats.org/officeDocument/2006/math" xmlns:w="http://schemas.openxmlformats.org/wordprocessingml/2006/main" xmlns:wp="http://schemas.openxmlformats.org/drawingml/2006/wordprocessingDrawing" xmlns:a14="http://schemas.microsoft.com/office/drawing/2010/main" xmlns:p15="http://schemas.microsoft.com/office/powerpoint/2012/main" xmlns:p159="http://schemas.microsoft.com/office/powerpoint/2015/09/main">
       <p:transition spd="med">
         <p:fade/>
       </p:transition>
@@ -31816,7 +31821,7 @@
         <p:fade/>
       </p:transition>
     </mc:Choice>
-    <mc:Fallback xmlns:p159="http://schemas.microsoft.com/office/powerpoint/2015/09/main" xmlns:p15="http://schemas.microsoft.com/office/powerpoint/2012/main" xmlns:a14="http://schemas.microsoft.com/office/drawing/2010/main" xmlns:wp="http://schemas.openxmlformats.org/drawingml/2006/wordprocessingDrawing" xmlns:w="http://schemas.openxmlformats.org/wordprocessingml/2006/main" xmlns:m="http://schemas.openxmlformats.org/officeDocument/2006/math" xmlns="">
+    <mc:Fallback xmlns="" xmlns:m="http://schemas.openxmlformats.org/officeDocument/2006/math" xmlns:w="http://schemas.openxmlformats.org/wordprocessingml/2006/main" xmlns:wp="http://schemas.openxmlformats.org/drawingml/2006/wordprocessingDrawing" xmlns:a14="http://schemas.microsoft.com/office/drawing/2010/main" xmlns:p15="http://schemas.microsoft.com/office/powerpoint/2012/main" xmlns:p159="http://schemas.microsoft.com/office/powerpoint/2015/09/main">
       <p:transition spd="med">
         <p:fade/>
       </p:transition>
@@ -32584,7 +32589,7 @@
           <a:p>
             <a:fld id="{D17951E6-9DB8-4B3D-BAF4-C11454061479}" type="datetimeFigureOut">
               <a:rPr lang="en-US" smtClean="0"/>
-              <a:t>2/8/22</a:t>
+              <a:t>2/15/22</a:t>
             </a:fld>
             <a:endParaRPr lang="en-US"/>
           </a:p>
@@ -32948,7 +32953,7 @@
         <p:fade/>
       </p:transition>
     </mc:Choice>
-    <mc:Fallback xmlns:p159="http://schemas.microsoft.com/office/powerpoint/2015/09/main" xmlns:p15="http://schemas.microsoft.com/office/powerpoint/2012/main" xmlns:a14="http://schemas.microsoft.com/office/drawing/2010/main" xmlns:wp="http://schemas.openxmlformats.org/drawingml/2006/wordprocessingDrawing" xmlns:w="http://schemas.openxmlformats.org/wordprocessingml/2006/main" xmlns:m="http://schemas.openxmlformats.org/officeDocument/2006/math" xmlns="">
+    <mc:Fallback xmlns="" xmlns:m="http://schemas.openxmlformats.org/officeDocument/2006/math" xmlns:w="http://schemas.openxmlformats.org/wordprocessingml/2006/main" xmlns:wp="http://schemas.openxmlformats.org/drawingml/2006/wordprocessingDrawing" xmlns:a14="http://schemas.microsoft.com/office/drawing/2010/main" xmlns:p15="http://schemas.microsoft.com/office/powerpoint/2012/main" xmlns:p159="http://schemas.microsoft.com/office/powerpoint/2015/09/main">
       <p:transition spd="med">
         <p:fade/>
       </p:transition>
@@ -33190,7 +33195,7 @@
         <p:fade/>
       </p:transition>
     </mc:Choice>
-    <mc:Fallback xmlns:p159="http://schemas.microsoft.com/office/powerpoint/2015/09/main" xmlns:p15="http://schemas.microsoft.com/office/powerpoint/2012/main" xmlns:a14="http://schemas.microsoft.com/office/drawing/2010/main" xmlns:wp="http://schemas.openxmlformats.org/drawingml/2006/wordprocessingDrawing" xmlns:w="http://schemas.openxmlformats.org/wordprocessingml/2006/main" xmlns:m="http://schemas.openxmlformats.org/officeDocument/2006/math" xmlns="">
+    <mc:Fallback xmlns="" xmlns:m="http://schemas.openxmlformats.org/officeDocument/2006/math" xmlns:w="http://schemas.openxmlformats.org/wordprocessingml/2006/main" xmlns:wp="http://schemas.openxmlformats.org/drawingml/2006/wordprocessingDrawing" xmlns:a14="http://schemas.microsoft.com/office/drawing/2010/main" xmlns:p15="http://schemas.microsoft.com/office/powerpoint/2012/main" xmlns:p159="http://schemas.microsoft.com/office/powerpoint/2015/09/main">
       <p:transition spd="med">
         <p:fade/>
       </p:transition>
@@ -35873,7 +35878,7 @@
           <a:p>
             <a:fld id="{09E28DB3-2B7E-4228-96F4-8C1FFAAB5896}" type="datetimeFigureOut">
               <a:rPr lang="en-US" smtClean="0"/>
-              <a:t>2/8/22</a:t>
+              <a:t>2/15/22</a:t>
             </a:fld>
             <a:endParaRPr lang="en-US"/>
           </a:p>
@@ -38476,7 +38481,7 @@
           <a:p>
             <a:fld id="{2F6F2114-6B76-4BFA-A431-938C376D7504}" type="datetimeFigureOut">
               <a:rPr lang="en-US" smtClean="0"/>
-              <a:t>2/8/22</a:t>
+              <a:t>2/15/22</a:t>
             </a:fld>
             <a:endParaRPr lang="en-US"/>
           </a:p>
@@ -42559,7 +42564,7 @@
           <a:p>
             <a:fld id="{09331913-DA08-436B-B174-68D4332098A3}" type="datetimeFigureOut">
               <a:rPr lang="en-US" smtClean="0"/>
-              <a:t>2/8/22</a:t>
+              <a:t>2/15/22</a:t>
             </a:fld>
             <a:endParaRPr lang="en-US"/>
           </a:p>
@@ -44899,7 +44904,7 @@
         <p:fade/>
       </p:transition>
     </mc:Choice>
-    <mc:Fallback xmlns:p159="http://schemas.microsoft.com/office/powerpoint/2015/09/main" xmlns:p15="http://schemas.microsoft.com/office/powerpoint/2012/main" xmlns:a14="http://schemas.microsoft.com/office/drawing/2010/main" xmlns:wp="http://schemas.openxmlformats.org/drawingml/2006/wordprocessingDrawing" xmlns:w="http://schemas.openxmlformats.org/wordprocessingml/2006/main" xmlns:m="http://schemas.openxmlformats.org/officeDocument/2006/math" xmlns="">
+    <mc:Fallback xmlns="" xmlns:m="http://schemas.openxmlformats.org/officeDocument/2006/math" xmlns:w="http://schemas.openxmlformats.org/wordprocessingml/2006/main" xmlns:wp="http://schemas.openxmlformats.org/drawingml/2006/wordprocessingDrawing" xmlns:a14="http://schemas.microsoft.com/office/drawing/2010/main" xmlns:p15="http://schemas.microsoft.com/office/powerpoint/2012/main" xmlns:p159="http://schemas.microsoft.com/office/powerpoint/2015/09/main">
       <p:transition spd="med">
         <p:fade/>
       </p:transition>
@@ -45090,7 +45095,7 @@
         <p:fade/>
       </p:transition>
     </mc:Choice>
-    <mc:Fallback xmlns:p159="http://schemas.microsoft.com/office/powerpoint/2015/09/main" xmlns:p15="http://schemas.microsoft.com/office/powerpoint/2012/main" xmlns:a14="http://schemas.microsoft.com/office/drawing/2010/main" xmlns:wp="http://schemas.openxmlformats.org/drawingml/2006/wordprocessingDrawing" xmlns:w="http://schemas.openxmlformats.org/wordprocessingml/2006/main" xmlns:m="http://schemas.openxmlformats.org/officeDocument/2006/math" xmlns="">
+    <mc:Fallback xmlns="" xmlns:m="http://schemas.openxmlformats.org/officeDocument/2006/math" xmlns:w="http://schemas.openxmlformats.org/wordprocessingml/2006/main" xmlns:wp="http://schemas.openxmlformats.org/drawingml/2006/wordprocessingDrawing" xmlns:a14="http://schemas.microsoft.com/office/drawing/2010/main" xmlns:p15="http://schemas.microsoft.com/office/powerpoint/2012/main" xmlns:p159="http://schemas.microsoft.com/office/powerpoint/2015/09/main">
       <p:transition spd="med">
         <p:fade/>
       </p:transition>
@@ -45205,7 +45210,7 @@
         <p:fade/>
       </p:transition>
     </mc:Choice>
-    <mc:Fallback xmlns:p159="http://schemas.microsoft.com/office/powerpoint/2015/09/main" xmlns:p15="http://schemas.microsoft.com/office/powerpoint/2012/main" xmlns:a14="http://schemas.microsoft.com/office/drawing/2010/main" xmlns:wp="http://schemas.openxmlformats.org/drawingml/2006/wordprocessingDrawing" xmlns:w="http://schemas.openxmlformats.org/wordprocessingml/2006/main" xmlns:m="http://schemas.openxmlformats.org/officeDocument/2006/math" xmlns="">
+    <mc:Fallback xmlns="" xmlns:m="http://schemas.openxmlformats.org/officeDocument/2006/math" xmlns:w="http://schemas.openxmlformats.org/wordprocessingml/2006/main" xmlns:wp="http://schemas.openxmlformats.org/drawingml/2006/wordprocessingDrawing" xmlns:a14="http://schemas.microsoft.com/office/drawing/2010/main" xmlns:p15="http://schemas.microsoft.com/office/powerpoint/2012/main" xmlns:p159="http://schemas.microsoft.com/office/powerpoint/2015/09/main">
       <p:transition spd="med">
         <p:fade/>
       </p:transition>
@@ -45717,7 +45722,7 @@
           <a:p>
             <a:fld id="{E8FD0B7A-F5DD-4F40-B4CB-3B2C354B893A}" type="datetimeFigureOut">
               <a:rPr lang="en-US" smtClean="0"/>
-              <a:t>2/8/22</a:t>
+              <a:t>2/15/22</a:t>
             </a:fld>
             <a:endParaRPr lang="en-US"/>
           </a:p>
@@ -54916,15 +54921,17 @@
           </a:lstStyle>
           <a:p>
             <a:r>
+              <a:rPr dirty="0"/>
               <a:t>When these two installations are complete, you'll then need to install a Visual Studio Code </a:t>
             </a:r>
             <a:r>
-              <a:rPr>
+              <a:rPr dirty="0">
                 <a:hlinkClick r:id="rId3"/>
               </a:rPr>
               <a:t>extension</a:t>
             </a:r>
             <a:r>
+              <a:rPr dirty="0"/>
               <a:t>.</a:t>
             </a:r>
           </a:p>
